--- a/presentations/03-JAX-RS.pptx
+++ b/presentations/03-JAX-RS.pptx
@@ -5,7 +5,7 @@
     <p:sldMasterId id="2147483648" r:id="rId1"/>
   </p:sldMasterIdLst>
   <p:notesMasterIdLst>
-    <p:notesMasterId r:id="rId21"/>
+    <p:notesMasterId r:id="rId22"/>
   </p:notesMasterIdLst>
   <p:sldIdLst>
     <p:sldId id="256" r:id="rId2"/>
@@ -24,9 +24,10 @@
     <p:sldId id="286" r:id="rId15"/>
     <p:sldId id="287" r:id="rId16"/>
     <p:sldId id="288" r:id="rId17"/>
-    <p:sldId id="289" r:id="rId18"/>
-    <p:sldId id="297" r:id="rId19"/>
-    <p:sldId id="295" r:id="rId20"/>
+    <p:sldId id="298" r:id="rId18"/>
+    <p:sldId id="289" r:id="rId19"/>
+    <p:sldId id="297" r:id="rId20"/>
+    <p:sldId id="295" r:id="rId21"/>
   </p:sldIdLst>
   <p:sldSz cx="9144000" cy="6858000" type="screen4x3"/>
   <p:notesSz cx="6858000" cy="9144000"/>
@@ -215,7 +216,7 @@
             <a:fld id="{7307762F-A706-E543-A832-3C298AA3103F}" type="datetimeFigureOut">
               <a:rPr lang="en-US" smtClean="0"/>
               <a:pPr/>
-              <a:t>31/10/2012</a:t>
+              <a:t>10/12/2012</a:t>
             </a:fld>
             <a:endParaRPr lang="en-US" dirty="0"/>
           </a:p>
@@ -677,7 +678,7 @@
           <a:p>
             <a:fld id="{875CF0EB-321F-0749-B37A-89BBA859503C}" type="datetimeFigureOut">
               <a:rPr lang="en-US" smtClean="0"/>
-              <a:t>31/10/2012</a:t>
+              <a:t>10/12/2012</a:t>
             </a:fld>
             <a:endParaRPr lang="en-US"/>
           </a:p>
@@ -871,7 +872,7 @@
           <a:p>
             <a:fld id="{875CF0EB-321F-0749-B37A-89BBA859503C}" type="datetimeFigureOut">
               <a:rPr lang="en-US" smtClean="0"/>
-              <a:t>31/10/2012</a:t>
+              <a:t>10/12/2012</a:t>
             </a:fld>
             <a:endParaRPr lang="en-US"/>
           </a:p>
@@ -1075,7 +1076,7 @@
           <a:p>
             <a:fld id="{875CF0EB-321F-0749-B37A-89BBA859503C}" type="datetimeFigureOut">
               <a:rPr lang="en-US" smtClean="0"/>
-              <a:t>31/10/2012</a:t>
+              <a:t>10/12/2012</a:t>
             </a:fld>
             <a:endParaRPr lang="en-US"/>
           </a:p>
@@ -1269,7 +1270,7 @@
           <a:p>
             <a:fld id="{875CF0EB-321F-0749-B37A-89BBA859503C}" type="datetimeFigureOut">
               <a:rPr lang="en-US" smtClean="0"/>
-              <a:t>31/10/2012</a:t>
+              <a:t>10/12/2012</a:t>
             </a:fld>
             <a:endParaRPr lang="en-US"/>
           </a:p>
@@ -1539,7 +1540,7 @@
           <a:p>
             <a:fld id="{875CF0EB-321F-0749-B37A-89BBA859503C}" type="datetimeFigureOut">
               <a:rPr lang="en-US" smtClean="0"/>
-              <a:t>31/10/2012</a:t>
+              <a:t>10/12/2012</a:t>
             </a:fld>
             <a:endParaRPr lang="en-US"/>
           </a:p>
@@ -1851,7 +1852,7 @@
           <a:p>
             <a:fld id="{875CF0EB-321F-0749-B37A-89BBA859503C}" type="datetimeFigureOut">
               <a:rPr lang="en-US" smtClean="0"/>
-              <a:t>31/10/2012</a:t>
+              <a:t>10/12/2012</a:t>
             </a:fld>
             <a:endParaRPr lang="en-US"/>
           </a:p>
@@ -2297,7 +2298,7 @@
           <a:p>
             <a:fld id="{875CF0EB-321F-0749-B37A-89BBA859503C}" type="datetimeFigureOut">
               <a:rPr lang="en-US" smtClean="0"/>
-              <a:t>31/10/2012</a:t>
+              <a:t>10/12/2012</a:t>
             </a:fld>
             <a:endParaRPr lang="en-US"/>
           </a:p>
@@ -2439,7 +2440,7 @@
           <a:p>
             <a:fld id="{875CF0EB-321F-0749-B37A-89BBA859503C}" type="datetimeFigureOut">
               <a:rPr lang="en-US" smtClean="0"/>
-              <a:t>31/10/2012</a:t>
+              <a:t>10/12/2012</a:t>
             </a:fld>
             <a:endParaRPr lang="en-US"/>
           </a:p>
@@ -2558,7 +2559,7 @@
           <a:p>
             <a:fld id="{875CF0EB-321F-0749-B37A-89BBA859503C}" type="datetimeFigureOut">
               <a:rPr lang="en-US" smtClean="0"/>
-              <a:t>31/10/2012</a:t>
+              <a:t>10/12/2012</a:t>
             </a:fld>
             <a:endParaRPr lang="en-US"/>
           </a:p>
@@ -2859,7 +2860,7 @@
           <a:p>
             <a:fld id="{875CF0EB-321F-0749-B37A-89BBA859503C}" type="datetimeFigureOut">
               <a:rPr lang="en-US" smtClean="0"/>
-              <a:t>31/10/2012</a:t>
+              <a:t>10/12/2012</a:t>
             </a:fld>
             <a:endParaRPr lang="en-US"/>
           </a:p>
@@ -3136,7 +3137,7 @@
           <a:p>
             <a:fld id="{875CF0EB-321F-0749-B37A-89BBA859503C}" type="datetimeFigureOut">
               <a:rPr lang="en-US" smtClean="0"/>
-              <a:t>31/10/2012</a:t>
+              <a:t>10/12/2012</a:t>
             </a:fld>
             <a:endParaRPr lang="en-US"/>
           </a:p>
@@ -7937,7 +7938,7 @@
           <a:p>
             <a:r>
               <a:rPr lang="en-US" dirty="0" smtClean="0"/>
-              <a:t>Deployment</a:t>
+              <a:t>Examples of creating Responses</a:t>
             </a:r>
             <a:endParaRPr lang="en-US" dirty="0"/>
           </a:p>
@@ -7956,159 +7957,227 @@
         <p:spPr/>
         <p:txBody>
           <a:bodyPr>
-            <a:normAutofit fontScale="77500" lnSpcReduction="20000"/>
+            <a:normAutofit fontScale="92500" lnSpcReduction="20000"/>
           </a:bodyPr>
           <a:lstStyle/>
           <a:p>
-            <a:pPr algn="just">
-              <a:lnSpc>
-                <a:spcPct val="150000"/>
-              </a:lnSpc>
-              <a:tabLst>
-                <a:tab pos="656722" algn="l"/>
-                <a:tab pos="1313444" algn="l"/>
-                <a:tab pos="1970166" algn="l"/>
-                <a:tab pos="2626888" algn="l"/>
-                <a:tab pos="3283610" algn="l"/>
-                <a:tab pos="3940332" algn="l"/>
-                <a:tab pos="4597055" algn="l"/>
-                <a:tab pos="5253777" algn="l"/>
-                <a:tab pos="5910499" algn="l"/>
-                <a:tab pos="6567221" algn="l"/>
-                <a:tab pos="7223943" algn="l"/>
-              </a:tabLst>
-            </a:pPr>
-            <a:r>
-              <a:rPr lang="en-US" dirty="0" smtClean="0">
-                <a:ea typeface="Droid Sans Fallback" charset="0"/>
-                <a:cs typeface="Droid Sans Fallback" charset="0"/>
-              </a:rPr>
-              <a:t>JAX-RS applications are packaged in a WAR like a servlet.</a:t>
-            </a:r>
-          </a:p>
-          <a:p>
-            <a:pPr algn="just">
-              <a:lnSpc>
-                <a:spcPct val="150000"/>
-              </a:lnSpc>
-              <a:tabLst>
-                <a:tab pos="656722" algn="l"/>
-                <a:tab pos="1313444" algn="l"/>
-                <a:tab pos="1970166" algn="l"/>
-                <a:tab pos="2626888" algn="l"/>
-                <a:tab pos="3283610" algn="l"/>
-                <a:tab pos="3940332" algn="l"/>
-                <a:tab pos="4597055" algn="l"/>
-                <a:tab pos="5253777" algn="l"/>
-                <a:tab pos="5910499" algn="l"/>
-                <a:tab pos="6567221" algn="l"/>
-                <a:tab pos="7223943" algn="l"/>
-              </a:tabLst>
-            </a:pPr>
-            <a:r>
-              <a:rPr lang="en-US" dirty="0" smtClean="0">
-                <a:ea typeface="Droid Sans Fallback" charset="0"/>
-                <a:cs typeface="Droid Sans Fallback" charset="0"/>
-              </a:rPr>
-              <a:t>For CXF the “normal” approach is to use a Spring context to specify which JAX-RS classes should be exposed</a:t>
-            </a:r>
-          </a:p>
-          <a:p>
-            <a:pPr algn="just">
-              <a:lnSpc>
-                <a:spcPct val="150000"/>
-              </a:lnSpc>
-              <a:tabLst>
-                <a:tab pos="656722" algn="l"/>
-                <a:tab pos="1313444" algn="l"/>
-                <a:tab pos="1970166" algn="l"/>
-                <a:tab pos="2626888" algn="l"/>
-                <a:tab pos="3283610" algn="l"/>
-                <a:tab pos="3940332" algn="l"/>
-                <a:tab pos="4597055" algn="l"/>
-                <a:tab pos="5253777" algn="l"/>
-                <a:tab pos="5910499" algn="l"/>
-                <a:tab pos="6567221" algn="l"/>
-                <a:tab pos="7223943" algn="l"/>
-              </a:tabLst>
-            </a:pPr>
-            <a:r>
-              <a:rPr lang="en-US" dirty="0" smtClean="0">
-                <a:ea typeface="Droid Sans Fallback" charset="0"/>
-                <a:cs typeface="Droid Sans Fallback" charset="0"/>
-              </a:rPr>
-              <a:t>Simply copy the generated WAR to:</a:t>
-            </a:r>
-          </a:p>
-          <a:p>
-            <a:pPr marL="0" indent="0" algn="just">
-              <a:lnSpc>
-                <a:spcPct val="150000"/>
-              </a:lnSpc>
+            <a:pPr marL="0" indent="0">
               <a:buNone/>
-              <a:tabLst>
-                <a:tab pos="656722" algn="l"/>
-                <a:tab pos="1313444" algn="l"/>
-                <a:tab pos="1970166" algn="l"/>
-                <a:tab pos="2626888" algn="l"/>
-                <a:tab pos="3283610" algn="l"/>
-                <a:tab pos="3940332" algn="l"/>
-                <a:tab pos="4597055" algn="l"/>
-                <a:tab pos="5253777" algn="l"/>
-                <a:tab pos="5910499" algn="l"/>
-                <a:tab pos="6567221" algn="l"/>
-                <a:tab pos="7223943" algn="l"/>
-              </a:tabLst>
+            </a:pPr>
+            <a:r>
+              <a:rPr lang="en-US" i="1" dirty="0" smtClean="0"/>
+              <a:t>200 OK:</a:t>
+            </a:r>
+          </a:p>
+          <a:p>
+            <a:pPr marL="0" indent="0">
+              <a:buNone/>
             </a:pPr>
             <a:r>
               <a:rPr lang="en-US" dirty="0">
-                <a:ea typeface="Droid Sans Fallback" charset="0"/>
-                <a:cs typeface="Droid Sans Fallback" charset="0"/>
-              </a:rPr>
-              <a:t>	</a:t>
-            </a:r>
-            <a:r>
-              <a:rPr lang="en-US" dirty="0" smtClean="0">
-                <a:ea typeface="Droid Sans Fallback" charset="0"/>
-                <a:cs typeface="Droid Sans Fallback" charset="0"/>
-              </a:rPr>
-              <a:t>&lt;wso2as&gt;/repository/deployment/server/</a:t>
+                <a:latin typeface="Courier"/>
+                <a:cs typeface="Courier"/>
+              </a:rPr>
+              <a:t>return </a:t>
+            </a:r>
+            <a:r>
+              <a:rPr lang="en-US" dirty="0" err="1">
+                <a:latin typeface="Courier"/>
+                <a:cs typeface="Courier"/>
+              </a:rPr>
+              <a:t>Response.ok</a:t>
+            </a:r>
+            <a:r>
+              <a:rPr lang="en-US" dirty="0">
+                <a:latin typeface="Courier"/>
+                <a:cs typeface="Courier"/>
+              </a:rPr>
+              <a:t>().build();</a:t>
+            </a:r>
+            <a:endParaRPr lang="en-US" dirty="0" smtClean="0">
+              <a:latin typeface="Courier"/>
+              <a:cs typeface="Courier"/>
+            </a:endParaRPr>
+          </a:p>
+          <a:p>
+            <a:pPr marL="0" indent="0">
+              <a:buNone/>
+            </a:pPr>
+            <a:r>
+              <a:rPr lang="en-US" i="1" dirty="0" smtClean="0"/>
+              <a:t>201 Created</a:t>
+            </a:r>
+            <a:br>
+              <a:rPr lang="en-US" i="1" dirty="0" smtClean="0"/>
+            </a:br>
+            <a:r>
+              <a:rPr lang="en-US" dirty="0" smtClean="0">
+                <a:latin typeface="Courier"/>
+                <a:cs typeface="Courier"/>
+              </a:rPr>
+              <a:t>return </a:t>
             </a:r>
             <a:r>
               <a:rPr lang="en-US" dirty="0" err="1" smtClean="0">
-                <a:ea typeface="Droid Sans Fallback" charset="0"/>
-                <a:cs typeface="Droid Sans Fallback" charset="0"/>
-              </a:rPr>
-              <a:t>webapps</a:t>
-            </a:r>
-            <a:endParaRPr lang="en-US" dirty="0" smtClean="0">
-              <a:ea typeface="Droid Sans Fallback" charset="0"/>
-              <a:cs typeface="Droid Sans Fallback" charset="0"/>
-            </a:endParaRPr>
-          </a:p>
-          <a:p>
-            <a:pPr marL="0" indent="0" algn="just">
-              <a:lnSpc>
-                <a:spcPct val="150000"/>
-              </a:lnSpc>
+                <a:latin typeface="Courier"/>
+                <a:cs typeface="Courier"/>
+              </a:rPr>
+              <a:t>Response.created</a:t>
+            </a:r>
+            <a:r>
+              <a:rPr lang="en-US" dirty="0" smtClean="0">
+                <a:latin typeface="Courier"/>
+                <a:cs typeface="Courier"/>
+              </a:rPr>
+              <a:t>(</a:t>
+            </a:r>
+            <a:br>
+              <a:rPr lang="en-US" dirty="0" smtClean="0">
+                <a:latin typeface="Courier"/>
+                <a:cs typeface="Courier"/>
+              </a:rPr>
+            </a:br>
+            <a:r>
+              <a:rPr lang="en-US" dirty="0" smtClean="0">
+                <a:latin typeface="Courier"/>
+                <a:cs typeface="Courier"/>
+              </a:rPr>
+              <a:t> </a:t>
+            </a:r>
+            <a:r>
+              <a:rPr lang="en-US" dirty="0" err="1" smtClean="0">
+                <a:latin typeface="Courier"/>
+                <a:cs typeface="Courier"/>
+              </a:rPr>
+              <a:t>URI.create</a:t>
+            </a:r>
+            <a:r>
+              <a:rPr lang="en-US" dirty="0" smtClean="0">
+                <a:latin typeface="Courier"/>
+                <a:cs typeface="Courier"/>
+              </a:rPr>
+              <a:t/>
+            </a:r>
+            <a:br>
+              <a:rPr lang="en-US" dirty="0" smtClean="0">
+                <a:latin typeface="Courier"/>
+                <a:cs typeface="Courier"/>
+              </a:rPr>
+            </a:br>
+            <a:r>
+              <a:rPr lang="en-US" dirty="0" smtClean="0">
+                <a:latin typeface="Courier"/>
+                <a:cs typeface="Courier"/>
+              </a:rPr>
+              <a:t> (</a:t>
+            </a:r>
+            <a:r>
+              <a:rPr lang="en-US" dirty="0">
+                <a:latin typeface="Courier"/>
+                <a:cs typeface="Courier"/>
+              </a:rPr>
+              <a:t>"orders/" + </a:t>
+            </a:r>
+            <a:r>
+              <a:rPr lang="en-US" dirty="0" err="1" smtClean="0">
+                <a:latin typeface="Courier"/>
+                <a:cs typeface="Courier"/>
+              </a:rPr>
+              <a:t>uuid</a:t>
+            </a:r>
+            <a:r>
+              <a:rPr lang="en-US" dirty="0" smtClean="0">
+                <a:latin typeface="Courier"/>
+                <a:cs typeface="Courier"/>
+              </a:rPr>
+              <a:t>)).</a:t>
+            </a:r>
+            <a:r>
+              <a:rPr lang="en-US" dirty="0">
+                <a:latin typeface="Courier"/>
+                <a:cs typeface="Courier"/>
+              </a:rPr>
+              <a:t>build();</a:t>
+            </a:r>
+          </a:p>
+          <a:p>
+            <a:pPr marL="0" indent="0">
               <a:buNone/>
-              <a:tabLst>
-                <a:tab pos="656722" algn="l"/>
-                <a:tab pos="1313444" algn="l"/>
-                <a:tab pos="1970166" algn="l"/>
-                <a:tab pos="2626888" algn="l"/>
-                <a:tab pos="3283610" algn="l"/>
-                <a:tab pos="3940332" algn="l"/>
-                <a:tab pos="4597055" algn="l"/>
-                <a:tab pos="5253777" algn="l"/>
-                <a:tab pos="5910499" algn="l"/>
-                <a:tab pos="6567221" algn="l"/>
-                <a:tab pos="7223943" algn="l"/>
-              </a:tabLst>
-            </a:pPr>
-            <a:endParaRPr lang="en-US" dirty="0" smtClean="0">
-              <a:ea typeface="Droid Sans Fallback" charset="0"/>
-              <a:cs typeface="Droid Sans Fallback" charset="0"/>
+            </a:pPr>
+            <a:r>
+              <a:rPr lang="en-US" i="1" dirty="0" smtClean="0"/>
+              <a:t>404 Not Found</a:t>
+            </a:r>
+          </a:p>
+          <a:p>
+            <a:pPr marL="0" indent="0">
+              <a:buNone/>
+            </a:pPr>
+            <a:r>
+              <a:rPr lang="en-US" dirty="0">
+                <a:latin typeface="Courier"/>
+                <a:cs typeface="Courier"/>
+              </a:rPr>
+              <a:t>return </a:t>
+            </a:r>
+            <a:r>
+              <a:rPr lang="en-US" dirty="0" err="1">
+                <a:latin typeface="Courier"/>
+                <a:cs typeface="Courier"/>
+              </a:rPr>
+              <a:t>Response.status</a:t>
+            </a:r>
+            <a:r>
+              <a:rPr lang="en-US" dirty="0">
+                <a:latin typeface="Courier"/>
+                <a:cs typeface="Courier"/>
+              </a:rPr>
+              <a:t>(</a:t>
+            </a:r>
+            <a:r>
+              <a:rPr lang="en-US" dirty="0" err="1">
+                <a:latin typeface="Courier"/>
+                <a:cs typeface="Courier"/>
+              </a:rPr>
+              <a:t>Status.NOT_FOUND</a:t>
+            </a:r>
+            <a:r>
+              <a:rPr lang="en-US">
+                <a:latin typeface="Courier"/>
+                <a:cs typeface="Courier"/>
+              </a:rPr>
+              <a:t>)</a:t>
+            </a:r>
+            <a:r>
+              <a:rPr lang="en-US" smtClean="0">
+                <a:latin typeface="Courier"/>
+                <a:cs typeface="Courier"/>
+              </a:rPr>
+              <a:t>.</a:t>
+            </a:r>
+            <a:br>
+              <a:rPr lang="en-US" smtClean="0">
+                <a:latin typeface="Courier"/>
+                <a:cs typeface="Courier"/>
+              </a:rPr>
+            </a:br>
+            <a:r>
+              <a:rPr lang="en-US" smtClean="0">
+                <a:latin typeface="Courier"/>
+                <a:cs typeface="Courier"/>
+              </a:rPr>
+              <a:t>build</a:t>
+            </a:r>
+            <a:r>
+              <a:rPr lang="en-US" dirty="0">
+                <a:latin typeface="Courier"/>
+                <a:cs typeface="Courier"/>
+              </a:rPr>
+              <a:t>();</a:t>
+            </a:r>
+            <a:endParaRPr lang="en-US" dirty="0">
+              <a:latin typeface="Courier"/>
+              <a:cs typeface="Courier"/>
             </a:endParaRPr>
           </a:p>
         </p:txBody>
@@ -8116,7 +8185,7 @@
     </p:spTree>
     <p:extLst>
       <p:ext uri="{BB962C8B-B14F-4D97-AF65-F5344CB8AC3E}">
-        <p14:creationId xmlns:p14="http://schemas.microsoft.com/office/powerpoint/2010/main" val="3270179525"/>
+        <p14:creationId xmlns:p14="http://schemas.microsoft.com/office/powerpoint/2010/main" val="1733198259"/>
       </p:ext>
     </p:extLst>
   </p:cSld>
@@ -8167,7 +8236,7 @@
           <a:p>
             <a:r>
               <a:rPr lang="en-US" dirty="0" smtClean="0"/>
-              <a:t>Creating a JAX-RS project</a:t>
+              <a:t>Deployment</a:t>
             </a:r>
             <a:endParaRPr lang="en-US" dirty="0"/>
           </a:p>
@@ -8185,92 +8254,168 @@
         </p:nvSpPr>
         <p:spPr/>
         <p:txBody>
-          <a:bodyPr/>
+          <a:bodyPr>
+            <a:normAutofit fontScale="77500" lnSpcReduction="20000"/>
+          </a:bodyPr>
           <a:lstStyle/>
           <a:p>
-            <a:r>
-              <a:rPr lang="en-US" dirty="0" err="1"/>
-              <a:t>mvn</a:t>
-            </a:r>
-            <a:r>
-              <a:rPr lang="en-US" dirty="0"/>
-              <a:t> </a:t>
-            </a:r>
-            <a:r>
-              <a:rPr lang="en-US" dirty="0" err="1"/>
-              <a:t>archetype:generate</a:t>
-            </a:r>
-            <a:r>
-              <a:rPr lang="en-US" dirty="0"/>
-              <a:t> -</a:t>
-            </a:r>
-            <a:r>
-              <a:rPr lang="en-US" dirty="0" err="1"/>
-              <a:t>Dfilter</a:t>
-            </a:r>
-            <a:r>
-              <a:rPr lang="en-US" dirty="0"/>
-              <a:t>=</a:t>
-            </a:r>
-            <a:r>
-              <a:rPr lang="en-US" dirty="0" err="1"/>
-              <a:t>org.apache.cxf.archetype</a:t>
-            </a:r>
-            <a:r>
-              <a:rPr lang="en-US" dirty="0" smtClean="0"/>
-              <a:t>:</a:t>
-            </a:r>
-          </a:p>
-          <a:p>
-            <a:r>
-              <a:rPr lang="en-US" dirty="0" smtClean="0"/>
-              <a:t>Choose a version of CXF</a:t>
-            </a:r>
-          </a:p>
-          <a:p>
-            <a:r>
-              <a:rPr lang="en-US" dirty="0" smtClean="0"/>
-              <a:t>Choose properties for your project (name, group, version, </a:t>
-            </a:r>
-            <a:r>
-              <a:rPr lang="en-US" dirty="0" err="1" smtClean="0"/>
-              <a:t>etc</a:t>
-            </a:r>
-            <a:r>
-              <a:rPr lang="en-US" dirty="0" smtClean="0"/>
-              <a:t>)</a:t>
-            </a:r>
-          </a:p>
-          <a:p>
-            <a:r>
-              <a:rPr lang="en-US" dirty="0" err="1" smtClean="0"/>
-              <a:t>mvn</a:t>
-            </a:r>
-            <a:r>
-              <a:rPr lang="en-US" dirty="0" smtClean="0"/>
-              <a:t> </a:t>
-            </a:r>
-            <a:r>
-              <a:rPr lang="en-US" dirty="0" err="1" smtClean="0"/>
-              <a:t>eclipse:eclipse</a:t>
-            </a:r>
-            <a:endParaRPr lang="en-US" dirty="0" smtClean="0"/>
-          </a:p>
-          <a:p>
-            <a:r>
-              <a:rPr lang="en-US" dirty="0" smtClean="0"/>
-              <a:t>Import into Eclipse</a:t>
-            </a:r>
-          </a:p>
-          <a:p>
-            <a:endParaRPr lang="en-US" dirty="0"/>
+            <a:pPr algn="just">
+              <a:lnSpc>
+                <a:spcPct val="150000"/>
+              </a:lnSpc>
+              <a:tabLst>
+                <a:tab pos="656722" algn="l"/>
+                <a:tab pos="1313444" algn="l"/>
+                <a:tab pos="1970166" algn="l"/>
+                <a:tab pos="2626888" algn="l"/>
+                <a:tab pos="3283610" algn="l"/>
+                <a:tab pos="3940332" algn="l"/>
+                <a:tab pos="4597055" algn="l"/>
+                <a:tab pos="5253777" algn="l"/>
+                <a:tab pos="5910499" algn="l"/>
+                <a:tab pos="6567221" algn="l"/>
+                <a:tab pos="7223943" algn="l"/>
+              </a:tabLst>
+            </a:pPr>
+            <a:r>
+              <a:rPr lang="en-US" dirty="0" smtClean="0">
+                <a:ea typeface="Droid Sans Fallback" charset="0"/>
+                <a:cs typeface="Droid Sans Fallback" charset="0"/>
+              </a:rPr>
+              <a:t>JAX-RS applications are packaged in a WAR like a servlet.</a:t>
+            </a:r>
+          </a:p>
+          <a:p>
+            <a:pPr algn="just">
+              <a:lnSpc>
+                <a:spcPct val="150000"/>
+              </a:lnSpc>
+              <a:tabLst>
+                <a:tab pos="656722" algn="l"/>
+                <a:tab pos="1313444" algn="l"/>
+                <a:tab pos="1970166" algn="l"/>
+                <a:tab pos="2626888" algn="l"/>
+                <a:tab pos="3283610" algn="l"/>
+                <a:tab pos="3940332" algn="l"/>
+                <a:tab pos="4597055" algn="l"/>
+                <a:tab pos="5253777" algn="l"/>
+                <a:tab pos="5910499" algn="l"/>
+                <a:tab pos="6567221" algn="l"/>
+                <a:tab pos="7223943" algn="l"/>
+              </a:tabLst>
+            </a:pPr>
+            <a:r>
+              <a:rPr lang="en-US" dirty="0" smtClean="0">
+                <a:ea typeface="Droid Sans Fallback" charset="0"/>
+                <a:cs typeface="Droid Sans Fallback" charset="0"/>
+              </a:rPr>
+              <a:t>For CXF the “normal” approach is to use a Spring context to specify which JAX-RS classes should be exposed</a:t>
+            </a:r>
+          </a:p>
+          <a:p>
+            <a:pPr algn="just">
+              <a:lnSpc>
+                <a:spcPct val="150000"/>
+              </a:lnSpc>
+              <a:tabLst>
+                <a:tab pos="656722" algn="l"/>
+                <a:tab pos="1313444" algn="l"/>
+                <a:tab pos="1970166" algn="l"/>
+                <a:tab pos="2626888" algn="l"/>
+                <a:tab pos="3283610" algn="l"/>
+                <a:tab pos="3940332" algn="l"/>
+                <a:tab pos="4597055" algn="l"/>
+                <a:tab pos="5253777" algn="l"/>
+                <a:tab pos="5910499" algn="l"/>
+                <a:tab pos="6567221" algn="l"/>
+                <a:tab pos="7223943" algn="l"/>
+              </a:tabLst>
+            </a:pPr>
+            <a:r>
+              <a:rPr lang="en-US" dirty="0" smtClean="0">
+                <a:ea typeface="Droid Sans Fallback" charset="0"/>
+                <a:cs typeface="Droid Sans Fallback" charset="0"/>
+              </a:rPr>
+              <a:t>Simply copy the generated WAR to:</a:t>
+            </a:r>
+          </a:p>
+          <a:p>
+            <a:pPr marL="0" indent="0" algn="just">
+              <a:lnSpc>
+                <a:spcPct val="150000"/>
+              </a:lnSpc>
+              <a:buNone/>
+              <a:tabLst>
+                <a:tab pos="656722" algn="l"/>
+                <a:tab pos="1313444" algn="l"/>
+                <a:tab pos="1970166" algn="l"/>
+                <a:tab pos="2626888" algn="l"/>
+                <a:tab pos="3283610" algn="l"/>
+                <a:tab pos="3940332" algn="l"/>
+                <a:tab pos="4597055" algn="l"/>
+                <a:tab pos="5253777" algn="l"/>
+                <a:tab pos="5910499" algn="l"/>
+                <a:tab pos="6567221" algn="l"/>
+                <a:tab pos="7223943" algn="l"/>
+              </a:tabLst>
+            </a:pPr>
+            <a:r>
+              <a:rPr lang="en-US" dirty="0">
+                <a:ea typeface="Droid Sans Fallback" charset="0"/>
+                <a:cs typeface="Droid Sans Fallback" charset="0"/>
+              </a:rPr>
+              <a:t>	</a:t>
+            </a:r>
+            <a:r>
+              <a:rPr lang="en-US" dirty="0" smtClean="0">
+                <a:ea typeface="Droid Sans Fallback" charset="0"/>
+                <a:cs typeface="Droid Sans Fallback" charset="0"/>
+              </a:rPr>
+              <a:t>&lt;wso2as&gt;/repository/deployment/server/</a:t>
+            </a:r>
+            <a:r>
+              <a:rPr lang="en-US" dirty="0" err="1" smtClean="0">
+                <a:ea typeface="Droid Sans Fallback" charset="0"/>
+                <a:cs typeface="Droid Sans Fallback" charset="0"/>
+              </a:rPr>
+              <a:t>webapps</a:t>
+            </a:r>
+            <a:endParaRPr lang="en-US" dirty="0" smtClean="0">
+              <a:ea typeface="Droid Sans Fallback" charset="0"/>
+              <a:cs typeface="Droid Sans Fallback" charset="0"/>
+            </a:endParaRPr>
+          </a:p>
+          <a:p>
+            <a:pPr marL="0" indent="0" algn="just">
+              <a:lnSpc>
+                <a:spcPct val="150000"/>
+              </a:lnSpc>
+              <a:buNone/>
+              <a:tabLst>
+                <a:tab pos="656722" algn="l"/>
+                <a:tab pos="1313444" algn="l"/>
+                <a:tab pos="1970166" algn="l"/>
+                <a:tab pos="2626888" algn="l"/>
+                <a:tab pos="3283610" algn="l"/>
+                <a:tab pos="3940332" algn="l"/>
+                <a:tab pos="4597055" algn="l"/>
+                <a:tab pos="5253777" algn="l"/>
+                <a:tab pos="5910499" algn="l"/>
+                <a:tab pos="6567221" algn="l"/>
+                <a:tab pos="7223943" algn="l"/>
+              </a:tabLst>
+            </a:pPr>
+            <a:endParaRPr lang="en-US" dirty="0" smtClean="0">
+              <a:ea typeface="Droid Sans Fallback" charset="0"/>
+              <a:cs typeface="Droid Sans Fallback" charset="0"/>
+            </a:endParaRPr>
           </a:p>
         </p:txBody>
       </p:sp>
     </p:spTree>
     <p:extLst>
       <p:ext uri="{BB962C8B-B14F-4D97-AF65-F5344CB8AC3E}">
-        <p14:creationId xmlns:p14="http://schemas.microsoft.com/office/powerpoint/2010/main" val="448575616"/>
+        <p14:creationId xmlns:p14="http://schemas.microsoft.com/office/powerpoint/2010/main" val="3270179525"/>
       </p:ext>
     </p:extLst>
   </p:cSld>
@@ -8321,8 +8466,102 @@
           <a:p>
             <a:r>
               <a:rPr lang="en-US" dirty="0" smtClean="0"/>
-              <a:t>Questions?</a:t>
-            </a:r>
+              <a:t>Creating a JAX-RS project</a:t>
+            </a:r>
+            <a:endParaRPr lang="en-US" dirty="0"/>
+          </a:p>
+        </p:txBody>
+      </p:sp>
+      <p:sp>
+        <p:nvSpPr>
+          <p:cNvPr id="3" name="Content Placeholder 2"/>
+          <p:cNvSpPr>
+            <a:spLocks noGrp="1"/>
+          </p:cNvSpPr>
+          <p:nvPr>
+            <p:ph idx="1"/>
+          </p:nvPr>
+        </p:nvSpPr>
+        <p:spPr/>
+        <p:txBody>
+          <a:bodyPr/>
+          <a:lstStyle/>
+          <a:p>
+            <a:r>
+              <a:rPr lang="en-US" dirty="0" err="1"/>
+              <a:t>mvn</a:t>
+            </a:r>
+            <a:r>
+              <a:rPr lang="en-US" dirty="0"/>
+              <a:t> </a:t>
+            </a:r>
+            <a:r>
+              <a:rPr lang="en-US" dirty="0" err="1"/>
+              <a:t>archetype:generate</a:t>
+            </a:r>
+            <a:r>
+              <a:rPr lang="en-US" dirty="0"/>
+              <a:t> -</a:t>
+            </a:r>
+            <a:r>
+              <a:rPr lang="en-US" dirty="0" err="1"/>
+              <a:t>Dfilter</a:t>
+            </a:r>
+            <a:r>
+              <a:rPr lang="en-US" dirty="0"/>
+              <a:t>=</a:t>
+            </a:r>
+            <a:r>
+              <a:rPr lang="en-US" dirty="0" err="1"/>
+              <a:t>org.apache.cxf.archetype</a:t>
+            </a:r>
+            <a:r>
+              <a:rPr lang="en-US" dirty="0" smtClean="0"/>
+              <a:t>:</a:t>
+            </a:r>
+          </a:p>
+          <a:p>
+            <a:r>
+              <a:rPr lang="en-US" dirty="0" smtClean="0"/>
+              <a:t>Choose a version of CXF</a:t>
+            </a:r>
+          </a:p>
+          <a:p>
+            <a:r>
+              <a:rPr lang="en-US" dirty="0" smtClean="0"/>
+              <a:t>Choose properties for your project (name, group, version, </a:t>
+            </a:r>
+            <a:r>
+              <a:rPr lang="en-US" dirty="0" err="1" smtClean="0"/>
+              <a:t>etc</a:t>
+            </a:r>
+            <a:r>
+              <a:rPr lang="en-US" dirty="0" smtClean="0"/>
+              <a:t>)</a:t>
+            </a:r>
+          </a:p>
+          <a:p>
+            <a:r>
+              <a:rPr lang="en-US" dirty="0" err="1" smtClean="0"/>
+              <a:t>mvn</a:t>
+            </a:r>
+            <a:r>
+              <a:rPr lang="en-US" dirty="0" smtClean="0"/>
+              <a:t> </a:t>
+            </a:r>
+            <a:r>
+              <a:rPr lang="en-US" dirty="0" err="1" smtClean="0"/>
+              <a:t>eclipse:eclipse</a:t>
+            </a:r>
+            <a:endParaRPr lang="en-US" dirty="0" smtClean="0"/>
+          </a:p>
+          <a:p>
+            <a:r>
+              <a:rPr lang="en-US" dirty="0" smtClean="0"/>
+              <a:t>Import into Eclipse</a:t>
+            </a:r>
+          </a:p>
+          <a:p>
             <a:endParaRPr lang="en-US" dirty="0"/>
           </a:p>
         </p:txBody>
@@ -8330,7 +8569,7 @@
     </p:spTree>
     <p:extLst>
       <p:ext uri="{BB962C8B-B14F-4D97-AF65-F5344CB8AC3E}">
-        <p14:creationId xmlns:p14="http://schemas.microsoft.com/office/powerpoint/2010/main" val="132480184"/>
+        <p14:creationId xmlns:p14="http://schemas.microsoft.com/office/powerpoint/2010/main" val="448575616"/>
       </p:ext>
     </p:extLst>
   </p:cSld>
@@ -8496,6 +8735,66 @@
     <p:extLst>
       <p:ext uri="{BB962C8B-B14F-4D97-AF65-F5344CB8AC3E}">
         <p14:creationId xmlns:p14="http://schemas.microsoft.com/office/powerpoint/2010/main" val="864907097"/>
+      </p:ext>
+    </p:extLst>
+  </p:cSld>
+  <p:clrMapOvr>
+    <a:masterClrMapping/>
+  </p:clrMapOvr>
+  <p:timing>
+    <p:tnLst>
+      <p:par>
+        <p:cTn xmlns:p14="http://schemas.microsoft.com/office/powerpoint/2010/main" id="1" dur="indefinite" restart="never" nodeType="tmRoot"/>
+      </p:par>
+    </p:tnLst>
+  </p:timing>
+</p:sld>
+</file>
+
+<file path=ppt/slides/slide20.xml><?xml version="1.0" encoding="utf-8"?>
+<p:sld xmlns:a="http://schemas.openxmlformats.org/drawingml/2006/main" xmlns:r="http://schemas.openxmlformats.org/officeDocument/2006/relationships" xmlns:p="http://schemas.openxmlformats.org/presentationml/2006/main">
+  <p:cSld>
+    <p:spTree>
+      <p:nvGrpSpPr>
+        <p:cNvPr id="1" name=""/>
+        <p:cNvGrpSpPr/>
+        <p:nvPr/>
+      </p:nvGrpSpPr>
+      <p:grpSpPr>
+        <a:xfrm>
+          <a:off x="0" y="0"/>
+          <a:ext cx="0" cy="0"/>
+          <a:chOff x="0" y="0"/>
+          <a:chExt cx="0" cy="0"/>
+        </a:xfrm>
+      </p:grpSpPr>
+      <p:sp>
+        <p:nvSpPr>
+          <p:cNvPr id="2" name="Title 1"/>
+          <p:cNvSpPr>
+            <a:spLocks noGrp="1"/>
+          </p:cNvSpPr>
+          <p:nvPr>
+            <p:ph type="title"/>
+          </p:nvPr>
+        </p:nvSpPr>
+        <p:spPr/>
+        <p:txBody>
+          <a:bodyPr/>
+          <a:lstStyle/>
+          <a:p>
+            <a:r>
+              <a:rPr lang="en-US" dirty="0" smtClean="0"/>
+              <a:t>Questions?</a:t>
+            </a:r>
+            <a:endParaRPr lang="en-US" dirty="0"/>
+          </a:p>
+        </p:txBody>
+      </p:sp>
+    </p:spTree>
+    <p:extLst>
+      <p:ext uri="{BB962C8B-B14F-4D97-AF65-F5344CB8AC3E}">
+        <p14:creationId xmlns:p14="http://schemas.microsoft.com/office/powerpoint/2010/main" val="132480184"/>
       </p:ext>
     </p:extLst>
   </p:cSld>
